--- a/papers/ICRA2016/pictures/pdf/Presentation4.pptx
+++ b/papers/ICRA2016/pictures/pdf/Presentation4.pptx
@@ -6,7 +6,6 @@
   </p:sldMasterIdLst>
   <p:sldIdLst>
     <p:sldId id="257" r:id="rId2"/>
-    <p:sldId id="258" r:id="rId3"/>
   </p:sldIdLst>
   <p:sldSz cx="9144000" cy="6858000" type="screen4x3"/>
   <p:notesSz cx="6858000" cy="9144000"/>
@@ -289,7 +288,7 @@
           <a:p>
             <a:fld id="{F694978D-A894-E24D-9868-C9A03761E7E6}" type="datetimeFigureOut">
               <a:rPr lang="en-US" smtClean="0"/>
-              <a:t>9/16/15</a:t>
+              <a:t>11/10/15</a:t>
             </a:fld>
             <a:endParaRPr lang="en-US"/>
           </a:p>
@@ -459,7 +458,7 @@
           <a:p>
             <a:fld id="{F694978D-A894-E24D-9868-C9A03761E7E6}" type="datetimeFigureOut">
               <a:rPr lang="en-US" smtClean="0"/>
-              <a:t>9/16/15</a:t>
+              <a:t>11/10/15</a:t>
             </a:fld>
             <a:endParaRPr lang="en-US"/>
           </a:p>
@@ -639,7 +638,7 @@
           <a:p>
             <a:fld id="{F694978D-A894-E24D-9868-C9A03761E7E6}" type="datetimeFigureOut">
               <a:rPr lang="en-US" smtClean="0"/>
-              <a:t>9/16/15</a:t>
+              <a:t>11/10/15</a:t>
             </a:fld>
             <a:endParaRPr lang="en-US"/>
           </a:p>
@@ -809,7 +808,7 @@
           <a:p>
             <a:fld id="{F694978D-A894-E24D-9868-C9A03761E7E6}" type="datetimeFigureOut">
               <a:rPr lang="en-US" smtClean="0"/>
-              <a:t>9/16/15</a:t>
+              <a:t>11/10/15</a:t>
             </a:fld>
             <a:endParaRPr lang="en-US"/>
           </a:p>
@@ -1055,7 +1054,7 @@
           <a:p>
             <a:fld id="{F694978D-A894-E24D-9868-C9A03761E7E6}" type="datetimeFigureOut">
               <a:rPr lang="en-US" smtClean="0"/>
-              <a:t>9/16/15</a:t>
+              <a:t>11/10/15</a:t>
             </a:fld>
             <a:endParaRPr lang="en-US"/>
           </a:p>
@@ -1343,7 +1342,7 @@
           <a:p>
             <a:fld id="{F694978D-A894-E24D-9868-C9A03761E7E6}" type="datetimeFigureOut">
               <a:rPr lang="en-US" smtClean="0"/>
-              <a:t>9/16/15</a:t>
+              <a:t>11/10/15</a:t>
             </a:fld>
             <a:endParaRPr lang="en-US"/>
           </a:p>
@@ -1765,7 +1764,7 @@
           <a:p>
             <a:fld id="{F694978D-A894-E24D-9868-C9A03761E7E6}" type="datetimeFigureOut">
               <a:rPr lang="en-US" smtClean="0"/>
-              <a:t>9/16/15</a:t>
+              <a:t>11/10/15</a:t>
             </a:fld>
             <a:endParaRPr lang="en-US"/>
           </a:p>
@@ -1883,7 +1882,7 @@
           <a:p>
             <a:fld id="{F694978D-A894-E24D-9868-C9A03761E7E6}" type="datetimeFigureOut">
               <a:rPr lang="en-US" smtClean="0"/>
-              <a:t>9/16/15</a:t>
+              <a:t>11/10/15</a:t>
             </a:fld>
             <a:endParaRPr lang="en-US"/>
           </a:p>
@@ -1978,7 +1977,7 @@
           <a:p>
             <a:fld id="{F694978D-A894-E24D-9868-C9A03761E7E6}" type="datetimeFigureOut">
               <a:rPr lang="en-US" smtClean="0"/>
-              <a:t>9/16/15</a:t>
+              <a:t>11/10/15</a:t>
             </a:fld>
             <a:endParaRPr lang="en-US"/>
           </a:p>
@@ -2255,7 +2254,7 @@
           <a:p>
             <a:fld id="{F694978D-A894-E24D-9868-C9A03761E7E6}" type="datetimeFigureOut">
               <a:rPr lang="en-US" smtClean="0"/>
-              <a:t>9/16/15</a:t>
+              <a:t>11/10/15</a:t>
             </a:fld>
             <a:endParaRPr lang="en-US"/>
           </a:p>
@@ -2508,7 +2507,7 @@
           <a:p>
             <a:fld id="{F694978D-A894-E24D-9868-C9A03761E7E6}" type="datetimeFigureOut">
               <a:rPr lang="en-US" smtClean="0"/>
-              <a:t>9/16/15</a:t>
+              <a:t>11/10/15</a:t>
             </a:fld>
             <a:endParaRPr lang="en-US"/>
           </a:p>
@@ -2721,7 +2720,7 @@
           <a:p>
             <a:fld id="{F694978D-A894-E24D-9868-C9A03761E7E6}" type="datetimeFigureOut">
               <a:rPr lang="en-US" smtClean="0"/>
-              <a:t>9/16/15</a:t>
+              <a:t>11/10/15</a:t>
             </a:fld>
             <a:endParaRPr lang="en-US"/>
           </a:p>
@@ -3386,8 +3385,8 @@
         </p:nvCxnSpPr>
         <p:spPr>
           <a:xfrm flipV="1">
-            <a:off x="357711" y="4472123"/>
-            <a:ext cx="3058434" cy="751318"/>
+            <a:off x="357711" y="4507901"/>
+            <a:ext cx="3058434" cy="646962"/>
           </a:xfrm>
           <a:prstGeom prst="straightConnector1">
             <a:avLst/>
@@ -3460,7 +3459,7 @@
         <p:spPr>
           <a:xfrm>
             <a:off x="3720200" y="4465800"/>
-            <a:ext cx="2325124" cy="572431"/>
+            <a:ext cx="2455534" cy="471591"/>
           </a:xfrm>
           <a:prstGeom prst="straightConnector1">
             <a:avLst/>
@@ -3591,7 +3590,7 @@
       </p:sp>
       <p:pic>
         <p:nvPicPr>
-          <p:cNvPr id="41" name="Picture 40" descr="table.png"/>
+          <p:cNvPr id="42" name="Picture 41" descr="Webcam.jpg"/>
           <p:cNvPicPr>
             <a:picLocks noChangeAspect="1"/>
           </p:cNvPicPr>
@@ -3611,8 +3610,8 @@
         </p:blipFill>
         <p:spPr>
           <a:xfrm>
-            <a:off x="357711" y="4615627"/>
-            <a:ext cx="5829580" cy="2242373"/>
+            <a:off x="3416145" y="0"/>
+            <a:ext cx="381918" cy="986621"/>
           </a:xfrm>
           <a:prstGeom prst="rect">
             <a:avLst/>
@@ -3621,7 +3620,7 @@
       </p:pic>
       <p:pic>
         <p:nvPicPr>
-          <p:cNvPr id="42" name="Picture 41" descr="Webcam.jpg"/>
+          <p:cNvPr id="43" name="Picture 42" descr="Light1.jpg"/>
           <p:cNvPicPr>
             <a:picLocks noChangeAspect="1"/>
           </p:cNvPicPr>
@@ -3641,8 +3640,8 @@
         </p:blipFill>
         <p:spPr>
           <a:xfrm>
-            <a:off x="3416145" y="0"/>
-            <a:ext cx="381918" cy="986621"/>
+            <a:off x="69572" y="656093"/>
+            <a:ext cx="958850" cy="1054100"/>
           </a:xfrm>
           <a:prstGeom prst="rect">
             <a:avLst/>
@@ -3651,7 +3650,7 @@
       </p:pic>
       <p:pic>
         <p:nvPicPr>
-          <p:cNvPr id="43" name="Picture 42" descr="Light1.jpg"/>
+          <p:cNvPr id="44" name="Picture 43" descr="Light2.jpg"/>
           <p:cNvPicPr>
             <a:picLocks noChangeAspect="1"/>
           </p:cNvPicPr>
@@ -3671,17 +3670,97 @@
         </p:blipFill>
         <p:spPr>
           <a:xfrm>
-            <a:off x="69572" y="656093"/>
-            <a:ext cx="958850" cy="1054100"/>
+            <a:off x="6045324" y="937370"/>
+            <a:ext cx="1120302" cy="905145"/>
           </a:xfrm>
           <a:prstGeom prst="rect">
             <a:avLst/>
           </a:prstGeom>
         </p:spPr>
       </p:pic>
+      <p:cxnSp>
+        <p:nvCxnSpPr>
+          <p:cNvPr id="46" name="Straight Arrow Connector 45"/>
+          <p:cNvCxnSpPr/>
+          <p:nvPr/>
+        </p:nvCxnSpPr>
+        <p:spPr>
+          <a:xfrm flipV="1">
+            <a:off x="3577115" y="986621"/>
+            <a:ext cx="17885" cy="3521279"/>
+          </a:xfrm>
+          <a:prstGeom prst="straightConnector1">
+            <a:avLst/>
+          </a:prstGeom>
+          <a:ln>
+            <a:solidFill>
+              <a:srgbClr val="FF0000"/>
+            </a:solidFill>
+            <a:headEnd type="arrow"/>
+            <a:tailEnd type="arrow"/>
+          </a:ln>
+        </p:spPr>
+        <p:style>
+          <a:lnRef idx="2">
+            <a:schemeClr val="accent1"/>
+          </a:lnRef>
+          <a:fillRef idx="0">
+            <a:schemeClr val="accent1"/>
+          </a:fillRef>
+          <a:effectRef idx="1">
+            <a:schemeClr val="accent1"/>
+          </a:effectRef>
+          <a:fontRef idx="minor">
+            <a:schemeClr val="tx1"/>
+          </a:fontRef>
+        </p:style>
+      </p:cxnSp>
+      <p:sp>
+        <p:nvSpPr>
+          <p:cNvPr id="47" name="TextBox 46"/>
+          <p:cNvSpPr txBox="1"/>
+          <p:nvPr/>
+        </p:nvSpPr>
+        <p:spPr>
+          <a:xfrm>
+            <a:off x="3798063" y="1710193"/>
+            <a:ext cx="1728579" cy="369332"/>
+          </a:xfrm>
+          <a:prstGeom prst="rect">
+            <a:avLst/>
+          </a:prstGeom>
+          <a:noFill/>
+        </p:spPr>
+        <p:txBody>
+          <a:bodyPr wrap="square" rtlCol="0">
+            <a:spAutoFit/>
+          </a:bodyPr>
+          <a:lstStyle/>
+          <a:p>
+            <a:r>
+              <a:rPr lang="en-US" dirty="0">
+                <a:latin typeface="Times"/>
+                <a:cs typeface="Times"/>
+              </a:rPr>
+              <a:t>1</a:t>
+            </a:r>
+            <a:r>
+              <a:rPr lang="en-US" dirty="0" smtClean="0">
+                <a:latin typeface="Times"/>
+                <a:cs typeface="Times"/>
+              </a:rPr>
+              <a:t>.5 m</a:t>
+            </a:r>
+            <a:endParaRPr lang="en-US" dirty="0">
+              <a:latin typeface="Times"/>
+              <a:cs typeface="Times"/>
+            </a:endParaRPr>
+          </a:p>
+        </p:txBody>
+      </p:sp>
       <p:pic>
         <p:nvPicPr>
-          <p:cNvPr id="44" name="Picture 43" descr="Light2.jpg"/>
+          <p:cNvPr id="3" name="Picture 2" descr="IMG_2293.png"/>
           <p:cNvPicPr>
             <a:picLocks noChangeAspect="1"/>
           </p:cNvPicPr>
@@ -3701,97 +3780,17 @@
         </p:blipFill>
         <p:spPr>
           <a:xfrm>
-            <a:off x="6045324" y="937370"/>
-            <a:ext cx="1120302" cy="905145"/>
+            <a:off x="-147230" y="3613475"/>
+            <a:ext cx="7126750" cy="3841218"/>
           </a:xfrm>
           <a:prstGeom prst="rect">
             <a:avLst/>
           </a:prstGeom>
         </p:spPr>
       </p:pic>
-      <p:cxnSp>
-        <p:nvCxnSpPr>
-          <p:cNvPr id="46" name="Straight Arrow Connector 45"/>
-          <p:cNvCxnSpPr/>
-          <p:nvPr/>
-        </p:nvCxnSpPr>
-        <p:spPr>
-          <a:xfrm flipV="1">
-            <a:off x="3577115" y="986621"/>
-            <a:ext cx="17885" cy="3521279"/>
-          </a:xfrm>
-          <a:prstGeom prst="straightConnector1">
-            <a:avLst/>
-          </a:prstGeom>
-          <a:ln>
-            <a:solidFill>
-              <a:srgbClr val="FF0000"/>
-            </a:solidFill>
-            <a:headEnd type="arrow"/>
-            <a:tailEnd type="arrow"/>
-          </a:ln>
-        </p:spPr>
-        <p:style>
-          <a:lnRef idx="2">
-            <a:schemeClr val="accent1"/>
-          </a:lnRef>
-          <a:fillRef idx="0">
-            <a:schemeClr val="accent1"/>
-          </a:fillRef>
-          <a:effectRef idx="1">
-            <a:schemeClr val="accent1"/>
-          </a:effectRef>
-          <a:fontRef idx="minor">
-            <a:schemeClr val="tx1"/>
-          </a:fontRef>
-        </p:style>
-      </p:cxnSp>
-      <p:sp>
-        <p:nvSpPr>
-          <p:cNvPr id="47" name="TextBox 46"/>
-          <p:cNvSpPr txBox="1"/>
-          <p:nvPr/>
-        </p:nvSpPr>
-        <p:spPr>
-          <a:xfrm>
-            <a:off x="3798063" y="1710193"/>
-            <a:ext cx="1728579" cy="369332"/>
-          </a:xfrm>
-          <a:prstGeom prst="rect">
-            <a:avLst/>
-          </a:prstGeom>
-          <a:noFill/>
-        </p:spPr>
-        <p:txBody>
-          <a:bodyPr wrap="square" rtlCol="0">
-            <a:spAutoFit/>
-          </a:bodyPr>
-          <a:lstStyle/>
-          <a:p>
-            <a:r>
-              <a:rPr lang="en-US" dirty="0">
-                <a:latin typeface="Times"/>
-                <a:cs typeface="Times"/>
-              </a:rPr>
-              <a:t>1</a:t>
-            </a:r>
-            <a:r>
-              <a:rPr lang="en-US" dirty="0" smtClean="0">
-                <a:latin typeface="Times"/>
-                <a:cs typeface="Times"/>
-              </a:rPr>
-              <a:t>.5 m</a:t>
-            </a:r>
-            <a:endParaRPr lang="en-US" dirty="0">
-              <a:latin typeface="Times"/>
-              <a:cs typeface="Times"/>
-            </a:endParaRPr>
-          </a:p>
-        </p:txBody>
-      </p:sp>
       <p:pic>
         <p:nvPicPr>
-          <p:cNvPr id="2" name="Picture 1" descr="kilobotCloseup.png"/>
+          <p:cNvPr id="11" name="Picture 10" descr="Kilobot.png"/>
           <p:cNvPicPr>
             <a:picLocks noChangeAspect="1"/>
           </p:cNvPicPr>
@@ -3811,8 +3810,8 @@
         </p:blipFill>
         <p:spPr>
           <a:xfrm>
-            <a:off x="6335282" y="3349975"/>
-            <a:ext cx="1218300" cy="1804888"/>
+            <a:off x="6564005" y="3014407"/>
+            <a:ext cx="2266729" cy="2902785"/>
           </a:xfrm>
           <a:prstGeom prst="rect">
             <a:avLst/>
@@ -3836,74 +3835,6 @@
       </p:par>
     </p:tnLst>
   </p:timing>
-</p:sld>
-</file>
-
-<file path=ppt/slides/slide2.xml><?xml version="1.0" encoding="utf-8"?>
-<p:sld xmlns:a="http://schemas.openxmlformats.org/drawingml/2006/main" xmlns:r="http://schemas.openxmlformats.org/officeDocument/2006/relationships" xmlns:p="http://schemas.openxmlformats.org/presentationml/2006/main">
-  <p:cSld>
-    <p:spTree>
-      <p:nvGrpSpPr>
-        <p:cNvPr id="1" name=""/>
-        <p:cNvGrpSpPr/>
-        <p:nvPr/>
-      </p:nvGrpSpPr>
-      <p:grpSpPr>
-        <a:xfrm>
-          <a:off x="0" y="0"/>
-          <a:ext cx="0" cy="0"/>
-          <a:chOff x="0" y="0"/>
-          <a:chExt cx="0" cy="0"/>
-        </a:xfrm>
-      </p:grpSpPr>
-      <p:sp>
-        <p:nvSpPr>
-          <p:cNvPr id="2" name="Title 1"/>
-          <p:cNvSpPr>
-            <a:spLocks noGrp="1"/>
-          </p:cNvSpPr>
-          <p:nvPr>
-            <p:ph type="title"/>
-          </p:nvPr>
-        </p:nvSpPr>
-        <p:spPr/>
-        <p:txBody>
-          <a:bodyPr/>
-          <a:lstStyle/>
-          <a:p>
-            <a:endParaRPr lang="en-US"/>
-          </a:p>
-        </p:txBody>
-      </p:sp>
-      <p:sp>
-        <p:nvSpPr>
-          <p:cNvPr id="3" name="Content Placeholder 2"/>
-          <p:cNvSpPr>
-            <a:spLocks noGrp="1"/>
-          </p:cNvSpPr>
-          <p:nvPr>
-            <p:ph idx="1"/>
-          </p:nvPr>
-        </p:nvSpPr>
-        <p:spPr/>
-        <p:txBody>
-          <a:bodyPr/>
-          <a:lstStyle/>
-          <a:p>
-            <a:endParaRPr lang="en-US"/>
-          </a:p>
-        </p:txBody>
-      </p:sp>
-    </p:spTree>
-    <p:extLst>
-      <p:ext uri="{BB962C8B-B14F-4D97-AF65-F5344CB8AC3E}">
-        <p14:creationId xmlns:p14="http://schemas.microsoft.com/office/powerpoint/2010/main" val="858546176"/>
-      </p:ext>
-    </p:extLst>
-  </p:cSld>
-  <p:clrMapOvr>
-    <a:masterClrMapping/>
-  </p:clrMapOvr>
 </p:sld>
 </file>
 

--- a/papers/ICRA2016/pictures/pdf/Presentation4.pptx
+++ b/papers/ICRA2016/pictures/pdf/Presentation4.pptx
@@ -3810,7 +3810,7 @@
         </p:blipFill>
         <p:spPr>
           <a:xfrm>
-            <a:off x="6564005" y="3014407"/>
+            <a:off x="5938454" y="2713101"/>
             <a:ext cx="2266729" cy="2902785"/>
           </a:xfrm>
           <a:prstGeom prst="rect">
